--- a/CAPSTONE PROJECT/CAPSTONE PROJECT REVIEW 1 PPT.pptx
+++ b/CAPSTONE PROJECT/CAPSTONE PROJECT REVIEW 1 PPT.pptx
@@ -222,7 +222,7 @@
           <a:p>
             <a:fld id="{9D85B690-DA12-4685-B421-55013345D842}" type="datetimeFigureOut">
               <a:rPr lang="en-US" smtClean="0"/>
-              <a:t>11/19/2022</a:t>
+              <a:t>11/22/2022</a:t>
             </a:fld>
             <a:endParaRPr lang="en-US"/>
           </a:p>
@@ -388,7 +388,7 @@
           <a:p>
             <a:fld id="{46F41E90-DF02-4DDB-A645-EE4BD71F0959}" type="datetimeFigureOut">
               <a:rPr lang="en-IN" smtClean="0"/>
-              <a:t>19-11-2022</a:t>
+              <a:t>22-11-2022</a:t>
             </a:fld>
             <a:endParaRPr lang="en-IN"/>
           </a:p>
@@ -1303,7 +1303,7 @@
           <a:p>
             <a:fld id="{E9D45CE8-D44F-4EBF-8D44-16D87B730117}" type="datetime1">
               <a:rPr lang="en-IN" smtClean="0"/>
-              <a:t>19-11-2022</a:t>
+              <a:t>22-11-2022</a:t>
             </a:fld>
             <a:endParaRPr lang="en-IN"/>
           </a:p>
@@ -1477,7 +1477,7 @@
           <a:p>
             <a:fld id="{00EA3C0C-7B7E-4602-AA2B-8CC69C0692E6}" type="datetime1">
               <a:rPr lang="en-IN" smtClean="0"/>
-              <a:t>19-11-2022</a:t>
+              <a:t>22-11-2022</a:t>
             </a:fld>
             <a:endParaRPr lang="en-IN"/>
           </a:p>
@@ -1661,7 +1661,7 @@
           <a:p>
             <a:fld id="{080A3FA1-CAA9-4795-8A48-94283E554A31}" type="datetime1">
               <a:rPr lang="en-IN" smtClean="0"/>
-              <a:t>19-11-2022</a:t>
+              <a:t>22-11-2022</a:t>
             </a:fld>
             <a:endParaRPr lang="en-IN"/>
           </a:p>
@@ -1835,7 +1835,7 @@
           <a:p>
             <a:fld id="{086BC8F7-D838-4017-BCC5-30A121465D4E}" type="datetime1">
               <a:rPr lang="en-IN" smtClean="0"/>
-              <a:t>19-11-2022</a:t>
+              <a:t>22-11-2022</a:t>
             </a:fld>
             <a:endParaRPr lang="en-IN"/>
           </a:p>
@@ -2085,7 +2085,7 @@
           <a:p>
             <a:fld id="{D97102E9-73F2-41EE-8ACD-70B1EC06739D}" type="datetime1">
               <a:rPr lang="en-IN" smtClean="0"/>
-              <a:t>19-11-2022</a:t>
+              <a:t>22-11-2022</a:t>
             </a:fld>
             <a:endParaRPr lang="en-IN"/>
           </a:p>
@@ -2321,7 +2321,7 @@
           <a:p>
             <a:fld id="{5B8F58C4-87E3-4FFF-8B8E-36A5CCE9587F}" type="datetime1">
               <a:rPr lang="en-IN" smtClean="0"/>
-              <a:t>19-11-2022</a:t>
+              <a:t>22-11-2022</a:t>
             </a:fld>
             <a:endParaRPr lang="en-IN"/>
           </a:p>
@@ -2692,7 +2692,7 @@
           <a:p>
             <a:fld id="{6118F8F5-38B3-468B-A110-CF7094C4FFA3}" type="datetime1">
               <a:rPr lang="en-IN" smtClean="0"/>
-              <a:t>19-11-2022</a:t>
+              <a:t>22-11-2022</a:t>
             </a:fld>
             <a:endParaRPr lang="en-IN"/>
           </a:p>
@@ -2814,7 +2814,7 @@
           <a:p>
             <a:fld id="{BED628D5-C314-4D33-9F20-759CCDE4AC4A}" type="datetime1">
               <a:rPr lang="en-IN" smtClean="0"/>
-              <a:t>19-11-2022</a:t>
+              <a:t>22-11-2022</a:t>
             </a:fld>
             <a:endParaRPr lang="en-IN"/>
           </a:p>
@@ -2913,7 +2913,7 @@
           <a:p>
             <a:fld id="{48E8B2C7-8C08-40C7-86D3-40717890647B}" type="datetime1">
               <a:rPr lang="en-IN" smtClean="0"/>
-              <a:t>19-11-2022</a:t>
+              <a:t>22-11-2022</a:t>
             </a:fld>
             <a:endParaRPr lang="en-IN"/>
           </a:p>
@@ -3194,7 +3194,7 @@
           <a:p>
             <a:fld id="{2616AB95-B062-4835-943E-2CCF78F87A5C}" type="datetime1">
               <a:rPr lang="en-IN" smtClean="0"/>
-              <a:t>19-11-2022</a:t>
+              <a:t>22-11-2022</a:t>
             </a:fld>
             <a:endParaRPr lang="en-IN"/>
           </a:p>
@@ -3451,7 +3451,7 @@
           <a:p>
             <a:fld id="{8ED5947D-ED41-4D3A-BD18-2470D3E417CA}" type="datetime1">
               <a:rPr lang="en-IN" smtClean="0"/>
-              <a:t>19-11-2022</a:t>
+              <a:t>22-11-2022</a:t>
             </a:fld>
             <a:endParaRPr lang="en-IN"/>
           </a:p>
@@ -3668,7 +3668,7 @@
           <a:p>
             <a:fld id="{4C95261D-6A12-49A0-8570-B5726E78256A}" type="datetime1">
               <a:rPr lang="en-IN" smtClean="0"/>
-              <a:t>19-11-2022</a:t>
+              <a:t>22-11-2022</a:t>
             </a:fld>
             <a:endParaRPr lang="en-IN"/>
           </a:p>
@@ -8600,21 +8600,65 @@
           </a:p>
         </p:txBody>
       </p:sp>
+      <p:sp>
+        <p:nvSpPr>
+          <p:cNvPr id="4" name="Footer Placeholder 3"/>
+          <p:cNvSpPr>
+            <a:spLocks noGrp="1"/>
+          </p:cNvSpPr>
+          <p:nvPr>
+            <p:ph type="ftr" sz="quarter" idx="11"/>
+          </p:nvPr>
+        </p:nvSpPr>
+        <p:spPr/>
+        <p:txBody>
+          <a:bodyPr/>
+          <a:lstStyle/>
+          <a:p>
+            <a:r>
+              <a:rPr lang="en-US" dirty="0"/>
+              <a:t>School of Computer Science and Engineering           19BCE1027</a:t>
+            </a:r>
+            <a:endParaRPr lang="en-IN" dirty="0"/>
+          </a:p>
+        </p:txBody>
+      </p:sp>
+      <p:sp>
+        <p:nvSpPr>
+          <p:cNvPr id="5" name="Slide Number Placeholder 4"/>
+          <p:cNvSpPr>
+            <a:spLocks noGrp="1"/>
+          </p:cNvSpPr>
+          <p:nvPr>
+            <p:ph type="sldNum" sz="quarter" idx="12"/>
+          </p:nvPr>
+        </p:nvSpPr>
+        <p:spPr/>
+        <p:txBody>
+          <a:bodyPr/>
+          <a:lstStyle/>
+          <a:p>
+            <a:fld id="{92607C7E-3A72-4AFC-82D5-1E7B16850C90}" type="slidenum">
+              <a:rPr lang="en-IN" smtClean="0"/>
+              <a:t>20</a:t>
+            </a:fld>
+            <a:endParaRPr lang="en-IN"/>
+          </a:p>
+        </p:txBody>
+      </p:sp>
       <p:pic>
         <p:nvPicPr>
-          <p:cNvPr id="7" name="Content Placeholder 6">
+          <p:cNvPr id="9" name="Picture 8">
             <a:extLst>
               <a:ext uri="{FF2B5EF4-FFF2-40B4-BE49-F238E27FC236}">
-                <a16:creationId xmlns:a16="http://schemas.microsoft.com/office/drawing/2014/main" id="{B6685F56-094F-1CF0-3C9D-EA7E90EB2ADD}"/>
+                <a16:creationId xmlns:a16="http://schemas.microsoft.com/office/drawing/2014/main" id="{F6757D24-155C-4041-F125-7681A654185D}"/>
               </a:ext>
             </a:extLst>
           </p:cNvPr>
           <p:cNvPicPr>
-            <a:picLocks noGrp="1" noChangeAspect="1"/>
+            <a:picLocks noChangeAspect="1"/>
           </p:cNvPicPr>
-          <p:nvPr>
-            <p:ph idx="1"/>
-          </p:nvPr>
+          <p:nvPr/>
         </p:nvPicPr>
         <p:blipFill>
           <a:blip r:embed="rId2"/>
@@ -8624,57 +8668,14 @@
         </p:blipFill>
         <p:spPr>
           <a:xfrm>
-            <a:off x="2628140" y="1825625"/>
-            <a:ext cx="6935719" cy="4351338"/>
+            <a:off x="2042432" y="1385551"/>
+            <a:ext cx="8107136" cy="4970799"/>
           </a:xfrm>
+          <a:prstGeom prst="rect">
+            <a:avLst/>
+          </a:prstGeom>
         </p:spPr>
       </p:pic>
-      <p:sp>
-        <p:nvSpPr>
-          <p:cNvPr id="4" name="Footer Placeholder 3"/>
-          <p:cNvSpPr>
-            <a:spLocks noGrp="1"/>
-          </p:cNvSpPr>
-          <p:nvPr>
-            <p:ph type="ftr" sz="quarter" idx="11"/>
-          </p:nvPr>
-        </p:nvSpPr>
-        <p:spPr/>
-        <p:txBody>
-          <a:bodyPr/>
-          <a:lstStyle/>
-          <a:p>
-            <a:r>
-              <a:rPr lang="en-US" dirty="0"/>
-              <a:t>School of Computer Science and Engineering           19BCE1027</a:t>
-            </a:r>
-            <a:endParaRPr lang="en-IN" dirty="0"/>
-          </a:p>
-        </p:txBody>
-      </p:sp>
-      <p:sp>
-        <p:nvSpPr>
-          <p:cNvPr id="5" name="Slide Number Placeholder 4"/>
-          <p:cNvSpPr>
-            <a:spLocks noGrp="1"/>
-          </p:cNvSpPr>
-          <p:nvPr>
-            <p:ph type="sldNum" sz="quarter" idx="12"/>
-          </p:nvPr>
-        </p:nvSpPr>
-        <p:spPr/>
-        <p:txBody>
-          <a:bodyPr/>
-          <a:lstStyle/>
-          <a:p>
-            <a:fld id="{92607C7E-3A72-4AFC-82D5-1E7B16850C90}" type="slidenum">
-              <a:rPr lang="en-IN" smtClean="0"/>
-              <a:t>20</a:t>
-            </a:fld>
-            <a:endParaRPr lang="en-IN"/>
-          </a:p>
-        </p:txBody>
-      </p:sp>
     </p:spTree>
     <p:extLst>
       <p:ext uri="{BB962C8B-B14F-4D97-AF65-F5344CB8AC3E}">
